--- a/plot_files/软件结构图.pptx
+++ b/plot_files/软件结构图.pptx
@@ -2923,16 +2923,16 @@
       </p:grpSpPr>
       <p:grpSp>
         <p:nvGrpSpPr>
-          <p:cNvPr id="77" name="Group 76"/>
+          <p:cNvPr id="119" name="Group 118"/>
           <p:cNvGrpSpPr/>
           <p:nvPr/>
         </p:nvGrpSpPr>
         <p:grpSpPr>
           <a:xfrm>
-            <a:off x="1254125" y="662940"/>
-            <a:ext cx="3187065" cy="2190115"/>
-            <a:chOff x="2926" y="4439"/>
-            <a:chExt cx="5019" cy="3449"/>
+            <a:off x="657462" y="754091"/>
+            <a:ext cx="3742190" cy="2190131"/>
+            <a:chOff x="657462" y="754091"/>
+            <a:chExt cx="3742190" cy="2190131"/>
           </a:xfrm>
         </p:grpSpPr>
         <p:sp>
@@ -2943,20 +2943,20 @@
           </p:nvSpPr>
           <p:spPr>
             <a:xfrm>
-              <a:off x="5089" y="4707"/>
-              <a:ext cx="532" cy="532"/>
+              <a:off x="2030729" y="924359"/>
+              <a:ext cx="337511" cy="337511"/>
             </a:xfrm>
             <a:custGeom>
               <a:avLst/>
               <a:gdLst>
-                <a:gd name="connsiteX0" fmla="*/ 0 w 337512"/>
-                <a:gd name="connsiteY0" fmla="*/ 168756 h 337512"/>
-                <a:gd name="connsiteX1" fmla="*/ 168756 w 337512"/>
-                <a:gd name="connsiteY1" fmla="*/ 0 h 337512"/>
-                <a:gd name="connsiteX2" fmla="*/ 337512 w 337512"/>
-                <a:gd name="connsiteY2" fmla="*/ 168756 h 337512"/>
-                <a:gd name="connsiteX3" fmla="*/ 168756 w 337512"/>
-                <a:gd name="connsiteY3" fmla="*/ 337512 h 337512"/>
+                <a:gd name="connsiteX0" fmla="*/ 0 w 337511"/>
+                <a:gd name="connsiteY0" fmla="*/ 168756 h 337511"/>
+                <a:gd name="connsiteX1" fmla="*/ 168756 w 337511"/>
+                <a:gd name="connsiteY1" fmla="*/ 0 h 337511"/>
+                <a:gd name="connsiteX2" fmla="*/ 337511 w 337511"/>
+                <a:gd name="connsiteY2" fmla="*/ 168756 h 337511"/>
+                <a:gd name="connsiteX3" fmla="*/ 168756 w 337511"/>
+                <a:gd name="connsiteY3" fmla="*/ 337511 h 337511"/>
               </a:gdLst>
               <a:ahLst/>
               <a:cxnLst>
@@ -2975,39 +2975,39 @@
               </a:cxnLst>
               <a:rect l="l" t="t" r="r" b="b"/>
               <a:pathLst>
-                <a:path w="337512" h="337512" stroke="0">
+                <a:path w="337511" h="337511" stroke="0">
                   <a:moveTo>
-                    <a:pt x="337512" y="337512"/>
+                    <a:pt x="337511" y="337511"/>
                   </a:moveTo>
                   <a:lnTo>
-                    <a:pt x="337512" y="0"/>
+                    <a:pt x="337511" y="0"/>
                   </a:lnTo>
                   <a:lnTo>
                     <a:pt x="0" y="0"/>
                   </a:lnTo>
                   <a:lnTo>
-                    <a:pt x="0" y="337512"/>
-                  </a:lnTo>
-                  <a:lnTo>
-                    <a:pt x="337512" y="337512"/>
+                    <a:pt x="0" y="337511"/>
+                  </a:lnTo>
+                  <a:lnTo>
+                    <a:pt x="337511" y="337511"/>
                   </a:lnTo>
                   <a:close/>
                 </a:path>
-                <a:path w="337512" h="337512" fill="none">
+                <a:path w="337511" h="337511" fill="none">
                   <a:moveTo>
-                    <a:pt x="337512" y="337512"/>
+                    <a:pt x="337511" y="337511"/>
                   </a:moveTo>
                   <a:lnTo>
-                    <a:pt x="337512" y="0"/>
+                    <a:pt x="337511" y="0"/>
                   </a:lnTo>
                   <a:lnTo>
                     <a:pt x="0" y="0"/>
                   </a:lnTo>
                   <a:lnTo>
-                    <a:pt x="0" y="337512"/>
-                  </a:lnTo>
-                  <a:lnTo>
-                    <a:pt x="337512" y="337512"/>
+                    <a:pt x="0" y="337511"/>
+                  </a:lnTo>
+                  <a:lnTo>
+                    <a:pt x="337511" y="337511"/>
                   </a:lnTo>
                   <a:close/>
                 </a:path>
@@ -3058,20 +3058,20 @@
           </p:nvSpPr>
           <p:spPr>
             <a:xfrm>
-              <a:off x="6751" y="4439"/>
-              <a:ext cx="872" cy="1068"/>
+              <a:off x="2730468" y="754091"/>
+              <a:ext cx="553428" cy="678048"/>
             </a:xfrm>
             <a:custGeom>
               <a:avLst/>
               <a:gdLst>
                 <a:gd name="connsiteX0" fmla="*/ 0 w 553428"/>
-                <a:gd name="connsiteY0" fmla="*/ 339024 h 678047"/>
+                <a:gd name="connsiteY0" fmla="*/ 339024 h 678048"/>
                 <a:gd name="connsiteX1" fmla="*/ 276714 w 553428"/>
-                <a:gd name="connsiteY1" fmla="*/ 0 h 678047"/>
+                <a:gd name="connsiteY1" fmla="*/ 0 h 678048"/>
                 <a:gd name="connsiteX2" fmla="*/ 553428 w 553428"/>
-                <a:gd name="connsiteY2" fmla="*/ 339024 h 678047"/>
+                <a:gd name="connsiteY2" fmla="*/ 339024 h 678048"/>
                 <a:gd name="connsiteX3" fmla="*/ 276714 w 553428"/>
-                <a:gd name="connsiteY3" fmla="*/ 678047 h 678047"/>
+                <a:gd name="connsiteY3" fmla="*/ 678048 h 678048"/>
               </a:gdLst>
               <a:ahLst/>
               <a:cxnLst>
@@ -3090,9 +3090,9 @@
               </a:cxnLst>
               <a:rect l="l" t="t" r="r" b="b"/>
               <a:pathLst>
-                <a:path w="553428" h="678047" stroke="0">
+                <a:path w="553428" h="678048" stroke="0">
                   <a:moveTo>
-                    <a:pt x="553428" y="678047"/>
+                    <a:pt x="553428" y="678048"/>
                   </a:moveTo>
                   <a:lnTo>
                     <a:pt x="553428" y="0"/>
@@ -3101,16 +3101,16 @@
                     <a:pt x="0" y="0"/>
                   </a:lnTo>
                   <a:lnTo>
-                    <a:pt x="0" y="678047"/>
-                  </a:lnTo>
-                  <a:lnTo>
-                    <a:pt x="553428" y="678047"/>
+                    <a:pt x="0" y="678048"/>
+                  </a:lnTo>
+                  <a:lnTo>
+                    <a:pt x="553428" y="678048"/>
                   </a:lnTo>
                   <a:close/>
                 </a:path>
-                <a:path w="553428" h="678047" fill="none">
+                <a:path w="553428" h="678048" fill="none">
                   <a:moveTo>
-                    <a:pt x="553428" y="678047"/>
+                    <a:pt x="553428" y="678048"/>
                   </a:moveTo>
                   <a:lnTo>
                     <a:pt x="553428" y="0"/>
@@ -3119,10 +3119,10 @@
                     <a:pt x="0" y="0"/>
                   </a:lnTo>
                   <a:lnTo>
-                    <a:pt x="0" y="678047"/>
-                  </a:lnTo>
-                  <a:lnTo>
-                    <a:pt x="553428" y="678047"/>
+                    <a:pt x="0" y="678048"/>
+                  </a:lnTo>
+                  <a:lnTo>
+                    <a:pt x="553428" y="678048"/>
                   </a:lnTo>
                   <a:close/>
                 </a:path>
@@ -3173,8 +3173,8 @@
           </p:nvSpPr>
           <p:spPr>
             <a:xfrm>
-              <a:off x="5621" y="4973"/>
-              <a:ext cx="1131" cy="12"/>
+              <a:off x="2368240" y="1093115"/>
+              <a:ext cx="362227" cy="7600"/>
             </a:xfrm>
             <a:custGeom>
               <a:avLst/>
@@ -3183,12 +3183,12 @@
               <a:cxnLst/>
               <a:rect l="l" t="t" r="r" b="b"/>
               <a:pathLst>
-                <a:path w="718110" h="7600" fill="none">
+                <a:path w="362227" h="7600" fill="none">
                   <a:moveTo>
                     <a:pt x="0" y="0"/>
                   </a:moveTo>
                   <a:lnTo>
-                    <a:pt x="718110" y="0"/>
+                    <a:pt x="362227" y="0"/>
                   </a:lnTo>
                 </a:path>
               </a:pathLst>
@@ -3211,8 +3211,8 @@
           </p:nvSpPr>
           <p:spPr>
             <a:xfrm>
-              <a:off x="6751" y="5917"/>
-              <a:ext cx="872" cy="1068"/>
+              <a:off x="2730468" y="1692737"/>
+              <a:ext cx="553428" cy="678048"/>
             </a:xfrm>
             <a:custGeom>
               <a:avLst/>
@@ -3326,8 +3326,8 @@
           </p:nvSpPr>
           <p:spPr>
             <a:xfrm>
-              <a:off x="7187" y="5507"/>
-              <a:ext cx="12" cy="410"/>
+              <a:off x="3007182" y="1432139"/>
+              <a:ext cx="7600" cy="260599"/>
             </a:xfrm>
             <a:custGeom>
               <a:avLst/>
@@ -3336,12 +3336,12 @@
               <a:cxnLst/>
               <a:rect l="l" t="t" r="r" b="b"/>
               <a:pathLst>
-                <a:path w="7600" h="260598" fill="none">
+                <a:path w="7600" h="260599" fill="none">
                   <a:moveTo>
                     <a:pt x="0" y="0"/>
                   </a:moveTo>
                   <a:lnTo>
-                    <a:pt x="0" y="260598"/>
+                    <a:pt x="0" y="260599"/>
                   </a:lnTo>
                 </a:path>
               </a:pathLst>
@@ -3364,8 +3364,8 @@
           </p:nvSpPr>
           <p:spPr>
             <a:xfrm>
-              <a:off x="7623" y="4973"/>
-              <a:ext cx="323" cy="1478"/>
+              <a:off x="3283896" y="1093115"/>
+              <a:ext cx="469463" cy="938646"/>
             </a:xfrm>
             <a:custGeom>
               <a:avLst/>
@@ -3374,15 +3374,15 @@
               <a:cxnLst/>
               <a:rect l="l" t="t" r="r" b="b"/>
               <a:pathLst>
-                <a:path w="205375" h="938646" fill="none">
+                <a:path w="469463" h="938646" fill="none">
                   <a:moveTo>
                     <a:pt x="0" y="938646"/>
                   </a:moveTo>
                   <a:lnTo>
-                    <a:pt x="205375" y="938646"/>
-                  </a:lnTo>
-                  <a:lnTo>
-                    <a:pt x="205375" y="0"/>
+                    <a:pt x="469463" y="938646"/>
+                  </a:lnTo>
+                  <a:lnTo>
+                    <a:pt x="469463" y="0"/>
                   </a:lnTo>
                   <a:lnTo>
                     <a:pt x="0" y="0"/>
@@ -3408,8 +3408,8 @@
           </p:nvSpPr>
           <p:spPr>
             <a:xfrm>
-              <a:off x="5355" y="5250"/>
-              <a:ext cx="1397" cy="1201"/>
+              <a:off x="2199485" y="1268736"/>
+              <a:ext cx="530983" cy="763025"/>
             </a:xfrm>
             <a:custGeom>
               <a:avLst/>
@@ -3418,12 +3418,12 @@
               <a:cxnLst/>
               <a:rect l="l" t="t" r="r" b="b"/>
               <a:pathLst>
-                <a:path w="886866" h="762888" fill="none">
+                <a:path w="530983" h="763025" fill="none">
                   <a:moveTo>
-                    <a:pt x="886866" y="762888"/>
+                    <a:pt x="530983" y="763025"/>
                   </a:moveTo>
                   <a:lnTo>
-                    <a:pt x="0" y="762888"/>
+                    <a:pt x="0" y="763025"/>
                   </a:lnTo>
                   <a:lnTo>
                     <a:pt x="0" y="0"/>
@@ -3449,8 +3449,8 @@
           </p:nvSpPr>
           <p:spPr>
             <a:xfrm>
-              <a:off x="5414" y="5550"/>
-              <a:ext cx="1436" cy="323"/>
+              <a:off x="3681542" y="1459840"/>
+              <a:ext cx="718110" cy="205200"/>
             </a:xfrm>
             <a:custGeom>
               <a:avLst/>
@@ -3459,15 +3459,15 @@
               <a:cxnLst/>
               <a:rect l="l" t="t" r="r" b="b"/>
               <a:pathLst>
-                <a:path w="912000" h="205200" stroke="0">
+                <a:path w="718110" h="205200" stroke="0">
                   <a:moveTo>
                     <a:pt x="0" y="0"/>
                   </a:moveTo>
                   <a:lnTo>
-                    <a:pt x="912000" y="0"/>
-                  </a:lnTo>
-                  <a:lnTo>
-                    <a:pt x="912000" y="205200"/>
+                    <a:pt x="718110" y="0"/>
+                  </a:lnTo>
+                  <a:lnTo>
+                    <a:pt x="718110" y="205200"/>
                   </a:lnTo>
                   <a:lnTo>
                     <a:pt x="0" y="205200"/>
@@ -3477,15 +3477,15 @@
                   </a:lnTo>
                   <a:close/>
                 </a:path>
-                <a:path w="912000" h="205200" fill="none">
+                <a:path w="718110" h="205200" fill="none">
                   <a:moveTo>
                     <a:pt x="0" y="0"/>
                   </a:moveTo>
                   <a:lnTo>
-                    <a:pt x="912000" y="0"/>
-                  </a:lnTo>
-                  <a:lnTo>
-                    <a:pt x="912000" y="205200"/>
+                    <a:pt x="718110" y="0"/>
+                  </a:lnTo>
+                  <a:lnTo>
+                    <a:pt x="718110" y="205200"/>
                   </a:lnTo>
                   <a:lnTo>
                     <a:pt x="0" y="205200"/>
@@ -3538,8 +3538,8 @@
           </p:nvSpPr>
           <p:spPr>
             <a:xfrm>
-              <a:off x="5041" y="6475"/>
-              <a:ext cx="1436" cy="323"/>
+              <a:off x="2000326" y="2046733"/>
+              <a:ext cx="912000" cy="205200"/>
             </a:xfrm>
             <a:custGeom>
               <a:avLst/>
@@ -3627,8 +3627,8 @@
           </p:nvSpPr>
           <p:spPr>
             <a:xfrm>
-              <a:off x="2926" y="4707"/>
-              <a:ext cx="532" cy="532"/>
+              <a:off x="657462" y="924359"/>
+              <a:ext cx="337511" cy="337511"/>
             </a:xfrm>
             <a:custGeom>
               <a:avLst/>
@@ -3742,8 +3742,8 @@
           </p:nvSpPr>
           <p:spPr>
             <a:xfrm>
-              <a:off x="2926" y="5550"/>
-              <a:ext cx="532" cy="532"/>
+              <a:off x="657462" y="1459840"/>
+              <a:ext cx="337511" cy="337511"/>
             </a:xfrm>
             <a:custGeom>
               <a:avLst/>
@@ -3857,8 +3857,8 @@
           </p:nvSpPr>
           <p:spPr>
             <a:xfrm>
-              <a:off x="2926" y="6453"/>
-              <a:ext cx="532" cy="532"/>
+              <a:off x="657462" y="2033275"/>
+              <a:ext cx="337511" cy="337511"/>
             </a:xfrm>
             <a:custGeom>
               <a:avLst/>
@@ -3972,8 +3972,8 @@
           </p:nvSpPr>
           <p:spPr>
             <a:xfrm>
-              <a:off x="2926" y="7356"/>
-              <a:ext cx="532" cy="532"/>
+              <a:off x="657462" y="2606710"/>
+              <a:ext cx="337511" cy="337511"/>
             </a:xfrm>
             <a:custGeom>
               <a:avLst/>
@@ -4087,8 +4087,8 @@
           </p:nvSpPr>
           <p:spPr>
             <a:xfrm>
-              <a:off x="3458" y="4973"/>
-              <a:ext cx="1631" cy="12"/>
+              <a:off x="994978" y="1093115"/>
+              <a:ext cx="1035751" cy="7600"/>
             </a:xfrm>
             <a:custGeom>
               <a:avLst/>
@@ -4097,9 +4097,9 @@
               <a:cxnLst/>
               <a:rect l="l" t="t" r="r" b="b"/>
               <a:pathLst>
-                <a:path w="1035754" h="7600" fill="none">
+                <a:path w="1035751" h="7600" fill="none">
                   <a:moveTo>
-                    <a:pt x="1035754" y="0"/>
+                    <a:pt x="1035751" y="0"/>
                   </a:moveTo>
                   <a:lnTo>
                     <a:pt x="0" y="0"/>
@@ -4125,8 +4125,8 @@
           </p:nvSpPr>
           <p:spPr>
             <a:xfrm>
-              <a:off x="3458" y="4973"/>
-              <a:ext cx="1631" cy="843"/>
+              <a:off x="994978" y="1093115"/>
+              <a:ext cx="1035751" cy="535479"/>
             </a:xfrm>
             <a:custGeom>
               <a:avLst/>
@@ -4135,15 +4135,15 @@
               <a:cxnLst/>
               <a:rect l="l" t="t" r="r" b="b"/>
               <a:pathLst>
-                <a:path w="1035754" h="535479" fill="none">
+                <a:path w="1035751" h="535479" fill="none">
                   <a:moveTo>
-                    <a:pt x="1035754" y="0"/>
+                    <a:pt x="1035751" y="0"/>
                   </a:moveTo>
                   <a:lnTo>
-                    <a:pt x="287244" y="0"/>
-                  </a:lnTo>
-                  <a:lnTo>
-                    <a:pt x="287244" y="535479"/>
+                    <a:pt x="287240" y="0"/>
+                  </a:lnTo>
+                  <a:lnTo>
+                    <a:pt x="287240" y="535479"/>
                   </a:lnTo>
                   <a:lnTo>
                     <a:pt x="0" y="535479"/>
@@ -4169,8 +4169,8 @@
           </p:nvSpPr>
           <p:spPr>
             <a:xfrm>
-              <a:off x="3458" y="4973"/>
-              <a:ext cx="1631" cy="1746"/>
+              <a:off x="994978" y="1093115"/>
+              <a:ext cx="1035751" cy="1108916"/>
             </a:xfrm>
             <a:custGeom>
               <a:avLst/>
@@ -4179,18 +4179,18 @@
               <a:cxnLst/>
               <a:rect l="l" t="t" r="r" b="b"/>
               <a:pathLst>
-                <a:path w="1035754" h="1108914" fill="none">
+                <a:path w="1035751" h="1108916" fill="none">
                   <a:moveTo>
-                    <a:pt x="1035754" y="0"/>
+                    <a:pt x="1035751" y="0"/>
                   </a:moveTo>
                   <a:lnTo>
-                    <a:pt x="574488" y="0"/>
-                  </a:lnTo>
-                  <a:lnTo>
-                    <a:pt x="574488" y="1108914"/>
-                  </a:lnTo>
-                  <a:lnTo>
-                    <a:pt x="0" y="1108914"/>
+                    <a:pt x="574485" y="0"/>
+                  </a:lnTo>
+                  <a:lnTo>
+                    <a:pt x="574485" y="1108916"/>
+                  </a:lnTo>
+                  <a:lnTo>
+                    <a:pt x="0" y="1108916"/>
                   </a:lnTo>
                 </a:path>
               </a:pathLst>
@@ -4213,8 +4213,8 @@
           </p:nvSpPr>
           <p:spPr>
             <a:xfrm>
-              <a:off x="3458" y="4973"/>
-              <a:ext cx="1631" cy="2649"/>
+              <a:off x="994978" y="1093115"/>
+              <a:ext cx="1035751" cy="1682351"/>
             </a:xfrm>
             <a:custGeom>
               <a:avLst/>
@@ -4223,18 +4223,18 @@
               <a:cxnLst/>
               <a:rect l="l" t="t" r="r" b="b"/>
               <a:pathLst>
-                <a:path w="1035754" h="1682349" fill="none">
+                <a:path w="1035751" h="1682351" fill="none">
                   <a:moveTo>
-                    <a:pt x="1035754" y="0"/>
+                    <a:pt x="1035751" y="0"/>
                   </a:moveTo>
                   <a:lnTo>
-                    <a:pt x="825827" y="0"/>
-                  </a:lnTo>
-                  <a:lnTo>
-                    <a:pt x="825827" y="1682349"/>
-                  </a:lnTo>
-                  <a:lnTo>
-                    <a:pt x="0" y="1682349"/>
+                    <a:pt x="825824" y="0"/>
+                  </a:lnTo>
+                  <a:lnTo>
+                    <a:pt x="825824" y="1682351"/>
+                  </a:lnTo>
+                  <a:lnTo>
+                    <a:pt x="0" y="1682351"/>
                   </a:lnTo>
                 </a:path>
               </a:pathLst>
@@ -4245,6 +4245,1831 @@
                 <a:srgbClr val="191919"/>
               </a:solidFill>
               <a:miter/>
+              <a:headEnd type="triangle" w="med" len="med"/>
+              <a:tailEnd type="triangle" w="med" len="med"/>
+            </a:ln>
+          </p:spPr>
+        </p:sp>
+      </p:grpSp>
+      <p:grpSp>
+        <p:nvGrpSpPr>
+          <p:cNvPr id="1" name="Group 0"/>
+          <p:cNvGrpSpPr/>
+          <p:nvPr/>
+        </p:nvGrpSpPr>
+        <p:grpSpPr>
+          <a:xfrm>
+            <a:off x="4267835" y="3114675"/>
+            <a:ext cx="3730625" cy="2019300"/>
+            <a:chOff x="6721" y="4905"/>
+            <a:chExt cx="5875" cy="3180"/>
+          </a:xfrm>
+        </p:grpSpPr>
+        <p:sp>
+          <p:nvSpPr>
+            <p:cNvPr id="142" name="正方形"/>
+            <p:cNvSpPr/>
+            <p:nvPr/>
+          </p:nvSpPr>
+          <p:spPr>
+            <a:xfrm>
+              <a:off x="8227" y="4949"/>
+              <a:ext cx="1020" cy="443"/>
+            </a:xfrm>
+            <a:custGeom>
+              <a:avLst/>
+              <a:gdLst>
+                <a:gd name="connsiteX0" fmla="*/ 0 w 647400"/>
+                <a:gd name="connsiteY0" fmla="*/ 140543 h 281087"/>
+                <a:gd name="connsiteX1" fmla="*/ 323700 w 647400"/>
+                <a:gd name="connsiteY1" fmla="*/ 0 h 281087"/>
+                <a:gd name="connsiteX2" fmla="*/ 647400 w 647400"/>
+                <a:gd name="connsiteY2" fmla="*/ 140543 h 281087"/>
+                <a:gd name="connsiteX3" fmla="*/ 323700 w 647400"/>
+                <a:gd name="connsiteY3" fmla="*/ 281087 h 281087"/>
+              </a:gdLst>
+              <a:ahLst/>
+              <a:cxnLst>
+                <a:cxn ang="10800000">
+                  <a:pos x="connsiteX0" y="connsiteY0"/>
+                </a:cxn>
+                <a:cxn ang="16200000">
+                  <a:pos x="connsiteX1" y="connsiteY1"/>
+                </a:cxn>
+                <a:cxn ang="0">
+                  <a:pos x="connsiteX2" y="connsiteY2"/>
+                </a:cxn>
+                <a:cxn ang="5400000">
+                  <a:pos x="connsiteX3" y="connsiteY3"/>
+                </a:cxn>
+              </a:cxnLst>
+              <a:rect l="l" t="t" r="r" b="b"/>
+              <a:pathLst>
+                <a:path w="647400" h="281087" stroke="0">
+                  <a:moveTo>
+                    <a:pt x="647400" y="281087"/>
+                  </a:moveTo>
+                  <a:lnTo>
+                    <a:pt x="647400" y="0"/>
+                  </a:lnTo>
+                  <a:lnTo>
+                    <a:pt x="0" y="0"/>
+                  </a:lnTo>
+                  <a:lnTo>
+                    <a:pt x="0" y="281087"/>
+                  </a:lnTo>
+                  <a:lnTo>
+                    <a:pt x="647400" y="281087"/>
+                  </a:lnTo>
+                  <a:close/>
+                </a:path>
+                <a:path w="647400" h="281087" fill="none">
+                  <a:moveTo>
+                    <a:pt x="647400" y="281087"/>
+                  </a:moveTo>
+                  <a:lnTo>
+                    <a:pt x="647400" y="0"/>
+                  </a:lnTo>
+                  <a:lnTo>
+                    <a:pt x="0" y="0"/>
+                  </a:lnTo>
+                  <a:lnTo>
+                    <a:pt x="0" y="281087"/>
+                  </a:lnTo>
+                  <a:lnTo>
+                    <a:pt x="647400" y="281087"/>
+                  </a:lnTo>
+                  <a:close/>
+                </a:path>
+              </a:pathLst>
+            </a:custGeom>
+            <a:solidFill>
+              <a:srgbClr val="FFFFFF"/>
+            </a:solidFill>
+            <a:ln w="7600" cap="flat">
+              <a:solidFill>
+                <a:srgbClr val="101843"/>
+              </a:solidFill>
+              <a:miter/>
+            </a:ln>
+          </p:spPr>
+          <p:txBody>
+            <a:bodyPr wrap="square" lIns="38100" tIns="38100" rIns="38100" bIns="38100" rtlCol="0" anchor="ctr"/>
+            <a:lstStyle/>
+            <a:p>
+              <a:pPr algn="ctr"/>
+              <a:r>
+                <a:rPr lang="zh-CN" altLang="en-US" sz="760" dirty="0">
+                  <a:solidFill>
+                    <a:srgbClr val="191919"/>
+                  </a:solidFill>
+                  <a:latin typeface="微软雅黑" panose="020B0503020204020204" charset="-122"/>
+                  <a:ea typeface="微软雅黑" panose="020B0503020204020204" charset="-122"/>
+                  <a:cs typeface="微软雅黑" panose="020B0503020204020204" charset="-122"/>
+                </a:rPr>
+                <a:t>104通讯</a:t>
+              </a:r>
+              <a:endParaRPr lang="zh-CN" altLang="en-US" sz="760" dirty="0">
+                <a:solidFill>
+                  <a:srgbClr val="191919"/>
+                </a:solidFill>
+                <a:latin typeface="微软雅黑" panose="020B0503020204020204" charset="-122"/>
+                <a:ea typeface="微软雅黑" panose="020B0503020204020204" charset="-122"/>
+                <a:cs typeface="微软雅黑" panose="020B0503020204020204" charset="-122"/>
+              </a:endParaRPr>
+            </a:p>
+          </p:txBody>
+        </p:sp>
+        <p:sp>
+          <p:nvSpPr>
+            <p:cNvPr id="143" name="正方形"/>
+            <p:cNvSpPr/>
+            <p:nvPr/>
+          </p:nvSpPr>
+          <p:spPr>
+            <a:xfrm>
+              <a:off x="11691" y="4949"/>
+              <a:ext cx="653" cy="443"/>
+            </a:xfrm>
+            <a:custGeom>
+              <a:avLst/>
+              <a:gdLst>
+                <a:gd name="connsiteX0" fmla="*/ 0 w 414454"/>
+                <a:gd name="connsiteY0" fmla="*/ 140543 h 281087"/>
+                <a:gd name="connsiteX1" fmla="*/ 207227 w 414454"/>
+                <a:gd name="connsiteY1" fmla="*/ 0 h 281087"/>
+                <a:gd name="connsiteX2" fmla="*/ 414454 w 414454"/>
+                <a:gd name="connsiteY2" fmla="*/ 140543 h 281087"/>
+                <a:gd name="connsiteX3" fmla="*/ 207227 w 414454"/>
+                <a:gd name="connsiteY3" fmla="*/ 281087 h 281087"/>
+              </a:gdLst>
+              <a:ahLst/>
+              <a:cxnLst>
+                <a:cxn ang="10800000">
+                  <a:pos x="connsiteX0" y="connsiteY0"/>
+                </a:cxn>
+                <a:cxn ang="16200000">
+                  <a:pos x="connsiteX1" y="connsiteY1"/>
+                </a:cxn>
+                <a:cxn ang="0">
+                  <a:pos x="connsiteX2" y="connsiteY2"/>
+                </a:cxn>
+                <a:cxn ang="5400000">
+                  <a:pos x="connsiteX3" y="connsiteY3"/>
+                </a:cxn>
+              </a:cxnLst>
+              <a:rect l="l" t="t" r="r" b="b"/>
+              <a:pathLst>
+                <a:path w="414454" h="281087" stroke="0">
+                  <a:moveTo>
+                    <a:pt x="414454" y="281087"/>
+                  </a:moveTo>
+                  <a:lnTo>
+                    <a:pt x="414454" y="0"/>
+                  </a:lnTo>
+                  <a:lnTo>
+                    <a:pt x="0" y="0"/>
+                  </a:lnTo>
+                  <a:lnTo>
+                    <a:pt x="0" y="281087"/>
+                  </a:lnTo>
+                  <a:lnTo>
+                    <a:pt x="414454" y="281087"/>
+                  </a:lnTo>
+                  <a:close/>
+                </a:path>
+                <a:path w="414454" h="281087" fill="none">
+                  <a:moveTo>
+                    <a:pt x="414454" y="281087"/>
+                  </a:moveTo>
+                  <a:lnTo>
+                    <a:pt x="414454" y="0"/>
+                  </a:lnTo>
+                  <a:lnTo>
+                    <a:pt x="0" y="0"/>
+                  </a:lnTo>
+                  <a:lnTo>
+                    <a:pt x="0" y="281087"/>
+                  </a:lnTo>
+                  <a:lnTo>
+                    <a:pt x="414454" y="281087"/>
+                  </a:lnTo>
+                  <a:close/>
+                </a:path>
+              </a:pathLst>
+            </a:custGeom>
+            <a:solidFill>
+              <a:srgbClr val="FFFFFF"/>
+            </a:solidFill>
+            <a:ln w="7600" cap="flat">
+              <a:solidFill>
+                <a:srgbClr val="101843"/>
+              </a:solidFill>
+              <a:miter/>
+            </a:ln>
+          </p:spPr>
+          <p:txBody>
+            <a:bodyPr wrap="square" lIns="38100" tIns="38100" rIns="38100" bIns="38100" rtlCol="0" anchor="ctr"/>
+            <a:lstStyle/>
+            <a:p>
+              <a:pPr algn="ctr"/>
+              <a:r>
+                <a:rPr lang="zh-CN" altLang="en-US" sz="760" dirty="0">
+                  <a:solidFill>
+                    <a:srgbClr val="191919"/>
+                  </a:solidFill>
+                  <a:latin typeface="微软雅黑" panose="020B0503020204020204" charset="-122"/>
+                  <a:ea typeface="微软雅黑" panose="020B0503020204020204" charset="-122"/>
+                  <a:cs typeface="微软雅黑" panose="020B0503020204020204" charset="-122"/>
+                </a:rPr>
+                <a:t>数据库</a:t>
+              </a:r>
+              <a:endParaRPr lang="zh-CN" altLang="en-US" sz="760" dirty="0">
+                <a:solidFill>
+                  <a:srgbClr val="191919"/>
+                </a:solidFill>
+                <a:latin typeface="微软雅黑" panose="020B0503020204020204" charset="-122"/>
+                <a:ea typeface="微软雅黑" panose="020B0503020204020204" charset="-122"/>
+                <a:cs typeface="微软雅黑" panose="020B0503020204020204" charset="-122"/>
+              </a:endParaRPr>
+            </a:p>
+          </p:txBody>
+        </p:sp>
+        <p:sp>
+          <p:nvSpPr>
+            <p:cNvPr id="145" name="正方形"/>
+            <p:cNvSpPr/>
+            <p:nvPr/>
+          </p:nvSpPr>
+          <p:spPr>
+            <a:xfrm>
+              <a:off x="11438" y="6034"/>
+              <a:ext cx="1158" cy="532"/>
+            </a:xfrm>
+            <a:custGeom>
+              <a:avLst/>
+              <a:gdLst>
+                <a:gd name="connsiteX0" fmla="*/ 0 w 735526"/>
+                <a:gd name="connsiteY0" fmla="*/ 168756 h 337511"/>
+                <a:gd name="connsiteX1" fmla="*/ 367763 w 735526"/>
+                <a:gd name="connsiteY1" fmla="*/ 0 h 337511"/>
+                <a:gd name="connsiteX2" fmla="*/ 735526 w 735526"/>
+                <a:gd name="connsiteY2" fmla="*/ 168756 h 337511"/>
+                <a:gd name="connsiteX3" fmla="*/ 367763 w 735526"/>
+                <a:gd name="connsiteY3" fmla="*/ 337511 h 337511"/>
+              </a:gdLst>
+              <a:ahLst/>
+              <a:cxnLst>
+                <a:cxn ang="10800000">
+                  <a:pos x="connsiteX0" y="connsiteY0"/>
+                </a:cxn>
+                <a:cxn ang="16200000">
+                  <a:pos x="connsiteX1" y="connsiteY1"/>
+                </a:cxn>
+                <a:cxn ang="0">
+                  <a:pos x="connsiteX2" y="connsiteY2"/>
+                </a:cxn>
+                <a:cxn ang="5400000">
+                  <a:pos x="connsiteX3" y="connsiteY3"/>
+                </a:cxn>
+              </a:cxnLst>
+              <a:rect l="l" t="t" r="r" b="b"/>
+              <a:pathLst>
+                <a:path w="735526" h="337511" stroke="0">
+                  <a:moveTo>
+                    <a:pt x="735526" y="337511"/>
+                  </a:moveTo>
+                  <a:lnTo>
+                    <a:pt x="735526" y="0"/>
+                  </a:lnTo>
+                  <a:lnTo>
+                    <a:pt x="0" y="0"/>
+                  </a:lnTo>
+                  <a:lnTo>
+                    <a:pt x="0" y="337511"/>
+                  </a:lnTo>
+                  <a:lnTo>
+                    <a:pt x="735526" y="337511"/>
+                  </a:lnTo>
+                  <a:close/>
+                </a:path>
+                <a:path w="735526" h="337511" fill="none">
+                  <a:moveTo>
+                    <a:pt x="735526" y="337511"/>
+                  </a:moveTo>
+                  <a:lnTo>
+                    <a:pt x="735526" y="0"/>
+                  </a:lnTo>
+                  <a:lnTo>
+                    <a:pt x="0" y="0"/>
+                  </a:lnTo>
+                  <a:lnTo>
+                    <a:pt x="0" y="337511"/>
+                  </a:lnTo>
+                  <a:lnTo>
+                    <a:pt x="735526" y="337511"/>
+                  </a:lnTo>
+                  <a:close/>
+                </a:path>
+              </a:pathLst>
+            </a:custGeom>
+            <a:solidFill>
+              <a:srgbClr val="FFFFFF"/>
+            </a:solidFill>
+            <a:ln w="7600" cap="flat">
+              <a:solidFill>
+                <a:srgbClr val="101843"/>
+              </a:solidFill>
+              <a:miter/>
+            </a:ln>
+          </p:spPr>
+          <p:txBody>
+            <a:bodyPr wrap="square" lIns="38100" tIns="38100" rIns="38100" bIns="38100" rtlCol="0" anchor="ctr"/>
+            <a:lstStyle/>
+            <a:p>
+              <a:pPr algn="ctr"/>
+              <a:r>
+                <a:rPr lang="zh-CN" altLang="en-US" sz="760" dirty="0">
+                  <a:solidFill>
+                    <a:srgbClr val="191919"/>
+                  </a:solidFill>
+                  <a:latin typeface="微软雅黑" panose="020B0503020204020204" charset="-122"/>
+                  <a:ea typeface="微软雅黑" panose="020B0503020204020204" charset="-122"/>
+                  <a:cs typeface="微软雅黑" panose="020B0503020204020204" charset="-122"/>
+                </a:rPr>
+                <a:t>redis2variable</a:t>
+              </a:r>
+              <a:endParaRPr lang="zh-CN" altLang="en-US" sz="760" dirty="0">
+                <a:solidFill>
+                  <a:srgbClr val="191919"/>
+                </a:solidFill>
+                <a:latin typeface="微软雅黑" panose="020B0503020204020204" charset="-122"/>
+                <a:ea typeface="微软雅黑" panose="020B0503020204020204" charset="-122"/>
+                <a:cs typeface="微软雅黑" panose="020B0503020204020204" charset="-122"/>
+              </a:endParaRPr>
+            </a:p>
+          </p:txBody>
+        </p:sp>
+        <p:sp>
+          <p:nvSpPr>
+            <p:cNvPr id="149" name="Rectangle"/>
+            <p:cNvSpPr/>
+            <p:nvPr/>
+          </p:nvSpPr>
+          <p:spPr>
+            <a:xfrm>
+              <a:off x="10887" y="5515"/>
+              <a:ext cx="1018" cy="323"/>
+            </a:xfrm>
+            <a:custGeom>
+              <a:avLst/>
+              <a:gdLst/>
+              <a:ahLst/>
+              <a:cxnLst/>
+              <a:rect l="l" t="t" r="r" b="b"/>
+              <a:pathLst>
+                <a:path w="646299" h="205200" stroke="0">
+                  <a:moveTo>
+                    <a:pt x="0" y="0"/>
+                  </a:moveTo>
+                  <a:lnTo>
+                    <a:pt x="646299" y="0"/>
+                  </a:lnTo>
+                  <a:lnTo>
+                    <a:pt x="646299" y="205200"/>
+                  </a:lnTo>
+                  <a:lnTo>
+                    <a:pt x="0" y="205200"/>
+                  </a:lnTo>
+                  <a:lnTo>
+                    <a:pt x="0" y="0"/>
+                  </a:lnTo>
+                  <a:close/>
+                </a:path>
+                <a:path w="646299" h="205200" fill="none">
+                  <a:moveTo>
+                    <a:pt x="0" y="0"/>
+                  </a:moveTo>
+                  <a:lnTo>
+                    <a:pt x="646299" y="0"/>
+                  </a:lnTo>
+                  <a:lnTo>
+                    <a:pt x="646299" y="205200"/>
+                  </a:lnTo>
+                  <a:lnTo>
+                    <a:pt x="0" y="205200"/>
+                  </a:lnTo>
+                  <a:lnTo>
+                    <a:pt x="0" y="0"/>
+                  </a:lnTo>
+                  <a:close/>
+                </a:path>
+              </a:pathLst>
+            </a:custGeom>
+            <a:noFill/>
+            <a:ln w="7600" cap="flat">
+              <a:noFill/>
+              <a:miter/>
+            </a:ln>
+          </p:spPr>
+          <p:txBody>
+            <a:bodyPr wrap="square" lIns="38100" tIns="38100" rIns="38100" bIns="38100" rtlCol="0" anchor="t"/>
+            <a:lstStyle/>
+            <a:p>
+              <a:pPr algn="ctr"/>
+              <a:r>
+                <a:rPr lang="zh-CN" altLang="en-US" sz="760" dirty="0">
+                  <a:solidFill>
+                    <a:srgbClr val="191919"/>
+                  </a:solidFill>
+                  <a:latin typeface="微软雅黑" panose="020B0503020204020204" charset="-122"/>
+                  <a:ea typeface="微软雅黑" panose="020B0503020204020204" charset="-122"/>
+                  <a:cs typeface="微软雅黑" panose="020B0503020204020204" charset="-122"/>
+                </a:rPr>
+                <a:t>遥测遥信</a:t>
+              </a:r>
+              <a:endParaRPr lang="zh-CN" altLang="en-US" sz="760" dirty="0">
+                <a:solidFill>
+                  <a:srgbClr val="191919"/>
+                </a:solidFill>
+                <a:latin typeface="微软雅黑" panose="020B0503020204020204" charset="-122"/>
+                <a:ea typeface="微软雅黑" panose="020B0503020204020204" charset="-122"/>
+                <a:cs typeface="微软雅黑" panose="020B0503020204020204" charset="-122"/>
+              </a:endParaRPr>
+            </a:p>
+          </p:txBody>
+        </p:sp>
+        <p:sp>
+          <p:nvSpPr>
+            <p:cNvPr id="150" name="Rectangle"/>
+            <p:cNvSpPr/>
+            <p:nvPr/>
+          </p:nvSpPr>
+          <p:spPr>
+            <a:xfrm>
+              <a:off x="8851" y="5515"/>
+              <a:ext cx="1020" cy="323"/>
+            </a:xfrm>
+            <a:custGeom>
+              <a:avLst/>
+              <a:gdLst/>
+              <a:ahLst/>
+              <a:cxnLst/>
+              <a:rect l="l" t="t" r="r" b="b"/>
+              <a:pathLst>
+                <a:path w="647400" h="205200" stroke="0">
+                  <a:moveTo>
+                    <a:pt x="0" y="0"/>
+                  </a:moveTo>
+                  <a:lnTo>
+                    <a:pt x="647400" y="0"/>
+                  </a:lnTo>
+                  <a:lnTo>
+                    <a:pt x="647400" y="205200"/>
+                  </a:lnTo>
+                  <a:lnTo>
+                    <a:pt x="0" y="205200"/>
+                  </a:lnTo>
+                  <a:lnTo>
+                    <a:pt x="0" y="0"/>
+                  </a:lnTo>
+                  <a:close/>
+                </a:path>
+                <a:path w="647400" h="205200" fill="none">
+                  <a:moveTo>
+                    <a:pt x="0" y="0"/>
+                  </a:moveTo>
+                  <a:lnTo>
+                    <a:pt x="647400" y="0"/>
+                  </a:lnTo>
+                  <a:lnTo>
+                    <a:pt x="647400" y="205200"/>
+                  </a:lnTo>
+                  <a:lnTo>
+                    <a:pt x="0" y="205200"/>
+                  </a:lnTo>
+                  <a:lnTo>
+                    <a:pt x="0" y="0"/>
+                  </a:lnTo>
+                  <a:close/>
+                </a:path>
+              </a:pathLst>
+            </a:custGeom>
+            <a:noFill/>
+            <a:ln w="7600" cap="flat">
+              <a:noFill/>
+              <a:miter/>
+            </a:ln>
+          </p:spPr>
+          <p:txBody>
+            <a:bodyPr wrap="square" lIns="38100" tIns="38100" rIns="38100" bIns="38100" rtlCol="0" anchor="t"/>
+            <a:lstStyle/>
+            <a:p>
+              <a:pPr algn="ctr"/>
+              <a:r>
+                <a:rPr lang="zh-CN" altLang="en-US" sz="760" dirty="0">
+                  <a:solidFill>
+                    <a:srgbClr val="191919"/>
+                  </a:solidFill>
+                  <a:latin typeface="微软雅黑" panose="020B0503020204020204" charset="-122"/>
+                  <a:ea typeface="微软雅黑" panose="020B0503020204020204" charset="-122"/>
+                  <a:cs typeface="微软雅黑" panose="020B0503020204020204" charset="-122"/>
+                </a:rPr>
+                <a:t>遥控遥调</a:t>
+              </a:r>
+              <a:endParaRPr lang="zh-CN" altLang="en-US" sz="760" dirty="0">
+                <a:solidFill>
+                  <a:srgbClr val="191919"/>
+                </a:solidFill>
+                <a:latin typeface="微软雅黑" panose="020B0503020204020204" charset="-122"/>
+                <a:ea typeface="微软雅黑" panose="020B0503020204020204" charset="-122"/>
+                <a:cs typeface="微软雅黑" panose="020B0503020204020204" charset="-122"/>
+              </a:endParaRPr>
+            </a:p>
+          </p:txBody>
+        </p:sp>
+        <p:sp>
+          <p:nvSpPr>
+            <p:cNvPr id="159" name="正方形"/>
+            <p:cNvSpPr/>
+            <p:nvPr/>
+          </p:nvSpPr>
+          <p:spPr>
+            <a:xfrm>
+              <a:off x="10534" y="6958"/>
+              <a:ext cx="1158" cy="532"/>
+            </a:xfrm>
+            <a:custGeom>
+              <a:avLst/>
+              <a:gdLst>
+                <a:gd name="connsiteX0" fmla="*/ 0 w 735526"/>
+                <a:gd name="connsiteY0" fmla="*/ 168756 h 337511"/>
+                <a:gd name="connsiteX1" fmla="*/ 367763 w 735526"/>
+                <a:gd name="connsiteY1" fmla="*/ 0 h 337511"/>
+                <a:gd name="connsiteX2" fmla="*/ 735526 w 735526"/>
+                <a:gd name="connsiteY2" fmla="*/ 168756 h 337511"/>
+                <a:gd name="connsiteX3" fmla="*/ 367763 w 735526"/>
+                <a:gd name="connsiteY3" fmla="*/ 337511 h 337511"/>
+              </a:gdLst>
+              <a:ahLst/>
+              <a:cxnLst>
+                <a:cxn ang="10800000">
+                  <a:pos x="connsiteX0" y="connsiteY0"/>
+                </a:cxn>
+                <a:cxn ang="16200000">
+                  <a:pos x="connsiteX1" y="connsiteY1"/>
+                </a:cxn>
+                <a:cxn ang="0">
+                  <a:pos x="connsiteX2" y="connsiteY2"/>
+                </a:cxn>
+                <a:cxn ang="5400000">
+                  <a:pos x="connsiteX3" y="connsiteY3"/>
+                </a:cxn>
+              </a:cxnLst>
+              <a:rect l="l" t="t" r="r" b="b"/>
+              <a:pathLst>
+                <a:path w="735526" h="337511" stroke="0">
+                  <a:moveTo>
+                    <a:pt x="735526" y="337511"/>
+                  </a:moveTo>
+                  <a:lnTo>
+                    <a:pt x="735526" y="0"/>
+                  </a:lnTo>
+                  <a:lnTo>
+                    <a:pt x="0" y="0"/>
+                  </a:lnTo>
+                  <a:lnTo>
+                    <a:pt x="0" y="337511"/>
+                  </a:lnTo>
+                  <a:lnTo>
+                    <a:pt x="735526" y="337511"/>
+                  </a:lnTo>
+                  <a:close/>
+                </a:path>
+                <a:path w="735526" h="337511" fill="none">
+                  <a:moveTo>
+                    <a:pt x="735526" y="337511"/>
+                  </a:moveTo>
+                  <a:lnTo>
+                    <a:pt x="735526" y="0"/>
+                  </a:lnTo>
+                  <a:lnTo>
+                    <a:pt x="0" y="0"/>
+                  </a:lnTo>
+                  <a:lnTo>
+                    <a:pt x="0" y="337511"/>
+                  </a:lnTo>
+                  <a:lnTo>
+                    <a:pt x="735526" y="337511"/>
+                  </a:lnTo>
+                  <a:close/>
+                </a:path>
+              </a:pathLst>
+            </a:custGeom>
+            <a:solidFill>
+              <a:srgbClr val="FFFFFF"/>
+            </a:solidFill>
+            <a:ln w="7600" cap="flat">
+              <a:solidFill>
+                <a:srgbClr val="101843"/>
+              </a:solidFill>
+              <a:miter/>
+            </a:ln>
+          </p:spPr>
+          <p:txBody>
+            <a:bodyPr wrap="square" lIns="38100" tIns="38100" rIns="38100" bIns="38100" rtlCol="0" anchor="ctr"/>
+            <a:lstStyle/>
+            <a:p>
+              <a:pPr algn="ctr"/>
+              <a:r>
+                <a:rPr lang="zh-CN" altLang="en-US" sz="760" dirty="0">
+                  <a:solidFill>
+                    <a:srgbClr val="191919"/>
+                  </a:solidFill>
+                  <a:latin typeface="微软雅黑" panose="020B0503020204020204" charset="-122"/>
+                  <a:ea typeface="微软雅黑" panose="020B0503020204020204" charset="-122"/>
+                  <a:cs typeface="微软雅黑" panose="020B0503020204020204" charset="-122"/>
+                </a:rPr>
+                <a:t>功率分配程序</a:t>
+              </a:r>
+              <a:endParaRPr lang="zh-CN" altLang="en-US" sz="760" dirty="0">
+                <a:solidFill>
+                  <a:srgbClr val="191919"/>
+                </a:solidFill>
+                <a:latin typeface="微软雅黑" panose="020B0503020204020204" charset="-122"/>
+                <a:ea typeface="微软雅黑" panose="020B0503020204020204" charset="-122"/>
+                <a:cs typeface="微软雅黑" panose="020B0503020204020204" charset="-122"/>
+              </a:endParaRPr>
+            </a:p>
+          </p:txBody>
+        </p:sp>
+        <p:sp>
+          <p:nvSpPr>
+            <p:cNvPr id="160" name="正方形"/>
+            <p:cNvSpPr/>
+            <p:nvPr/>
+          </p:nvSpPr>
+          <p:spPr>
+            <a:xfrm>
+              <a:off x="9589" y="5974"/>
+              <a:ext cx="1158" cy="651"/>
+            </a:xfrm>
+            <a:custGeom>
+              <a:avLst/>
+              <a:gdLst>
+                <a:gd name="connsiteX0" fmla="*/ 0 w 735526"/>
+                <a:gd name="connsiteY0" fmla="*/ 206756 h 413511"/>
+                <a:gd name="connsiteX1" fmla="*/ 367763 w 735526"/>
+                <a:gd name="connsiteY1" fmla="*/ 0 h 413511"/>
+                <a:gd name="connsiteX2" fmla="*/ 735526 w 735526"/>
+                <a:gd name="connsiteY2" fmla="*/ 206756 h 413511"/>
+                <a:gd name="connsiteX3" fmla="*/ 367763 w 735526"/>
+                <a:gd name="connsiteY3" fmla="*/ 413511 h 413511"/>
+              </a:gdLst>
+              <a:ahLst/>
+              <a:cxnLst>
+                <a:cxn ang="10800000">
+                  <a:pos x="connsiteX0" y="connsiteY0"/>
+                </a:cxn>
+                <a:cxn ang="16200000">
+                  <a:pos x="connsiteX1" y="connsiteY1"/>
+                </a:cxn>
+                <a:cxn ang="0">
+                  <a:pos x="connsiteX2" y="connsiteY2"/>
+                </a:cxn>
+                <a:cxn ang="5400000">
+                  <a:pos x="connsiteX3" y="connsiteY3"/>
+                </a:cxn>
+              </a:cxnLst>
+              <a:rect l="l" t="t" r="r" b="b"/>
+              <a:pathLst>
+                <a:path w="735526" h="413511" stroke="0">
+                  <a:moveTo>
+                    <a:pt x="735526" y="413511"/>
+                  </a:moveTo>
+                  <a:lnTo>
+                    <a:pt x="735526" y="0"/>
+                  </a:lnTo>
+                  <a:lnTo>
+                    <a:pt x="0" y="0"/>
+                  </a:lnTo>
+                  <a:lnTo>
+                    <a:pt x="0" y="413511"/>
+                  </a:lnTo>
+                  <a:lnTo>
+                    <a:pt x="735526" y="413511"/>
+                  </a:lnTo>
+                  <a:close/>
+                </a:path>
+                <a:path w="735526" h="413511" fill="none">
+                  <a:moveTo>
+                    <a:pt x="735526" y="413511"/>
+                  </a:moveTo>
+                  <a:lnTo>
+                    <a:pt x="735526" y="0"/>
+                  </a:lnTo>
+                  <a:lnTo>
+                    <a:pt x="0" y="0"/>
+                  </a:lnTo>
+                  <a:lnTo>
+                    <a:pt x="0" y="413511"/>
+                  </a:lnTo>
+                  <a:lnTo>
+                    <a:pt x="735526" y="413511"/>
+                  </a:lnTo>
+                  <a:close/>
+                </a:path>
+              </a:pathLst>
+            </a:custGeom>
+            <a:solidFill>
+              <a:srgbClr val="FFFFFF"/>
+            </a:solidFill>
+            <a:ln w="7600" cap="flat">
+              <a:solidFill>
+                <a:srgbClr val="101843"/>
+              </a:solidFill>
+              <a:miter/>
+            </a:ln>
+          </p:spPr>
+          <p:txBody>
+            <a:bodyPr wrap="square" lIns="38100" tIns="38100" rIns="38100" bIns="38100" rtlCol="0" anchor="ctr"/>
+            <a:lstStyle/>
+            <a:p>
+              <a:pPr algn="ctr"/>
+              <a:r>
+                <a:rPr lang="zh-CN" altLang="en-US" sz="760" dirty="0">
+                  <a:solidFill>
+                    <a:srgbClr val="191919"/>
+                  </a:solidFill>
+                  <a:latin typeface="微软雅黑" panose="020B0503020204020204" charset="-122"/>
+                  <a:ea typeface="微软雅黑" panose="020B0503020204020204" charset="-122"/>
+                  <a:cs typeface="微软雅黑" panose="020B0503020204020204" charset="-122"/>
+                </a:rPr>
+                <a:t>variable2redisprotocal</a:t>
+              </a:r>
+              <a:endParaRPr lang="zh-CN" altLang="en-US" sz="760" dirty="0">
+                <a:solidFill>
+                  <a:srgbClr val="191919"/>
+                </a:solidFill>
+                <a:latin typeface="微软雅黑" panose="020B0503020204020204" charset="-122"/>
+                <a:ea typeface="微软雅黑" panose="020B0503020204020204" charset="-122"/>
+                <a:cs typeface="微软雅黑" panose="020B0503020204020204" charset="-122"/>
+              </a:endParaRPr>
+            </a:p>
+          </p:txBody>
+        </p:sp>
+        <p:sp>
+          <p:nvSpPr>
+            <p:cNvPr id="162" name="ConnectLine"/>
+            <p:cNvSpPr/>
+            <p:nvPr/>
+          </p:nvSpPr>
+          <p:spPr>
+            <a:xfrm>
+              <a:off x="11697" y="6566"/>
+              <a:ext cx="321" cy="649"/>
+            </a:xfrm>
+            <a:custGeom>
+              <a:avLst/>
+              <a:gdLst/>
+              <a:ahLst/>
+              <a:cxnLst/>
+              <a:rect l="l" t="t" r="r" b="b"/>
+              <a:pathLst>
+                <a:path w="203524" h="412195" fill="none">
+                  <a:moveTo>
+                    <a:pt x="203524" y="0"/>
+                  </a:moveTo>
+                  <a:lnTo>
+                    <a:pt x="203524" y="412195"/>
+                  </a:lnTo>
+                  <a:lnTo>
+                    <a:pt x="0" y="412195"/>
+                  </a:lnTo>
+                </a:path>
+              </a:pathLst>
+            </a:custGeom>
+            <a:noFill/>
+            <a:ln w="7600" cap="flat">
+              <a:solidFill>
+                <a:srgbClr val="191919"/>
+              </a:solidFill>
+              <a:miter/>
+              <a:tailEnd type="triangle" w="med" len="med"/>
+            </a:ln>
+          </p:spPr>
+        </p:sp>
+        <p:sp>
+          <p:nvSpPr>
+            <p:cNvPr id="163" name="ConnectLine"/>
+            <p:cNvSpPr/>
+            <p:nvPr/>
+          </p:nvSpPr>
+          <p:spPr>
+            <a:xfrm>
+              <a:off x="10169" y="6635"/>
+              <a:ext cx="365" cy="589"/>
+            </a:xfrm>
+            <a:custGeom>
+              <a:avLst/>
+              <a:gdLst/>
+              <a:ahLst/>
+              <a:cxnLst/>
+              <a:rect l="l" t="t" r="r" b="b"/>
+              <a:pathLst>
+                <a:path w="231859" h="374195" fill="none">
+                  <a:moveTo>
+                    <a:pt x="231859" y="374195"/>
+                  </a:moveTo>
+                  <a:lnTo>
+                    <a:pt x="0" y="374195"/>
+                  </a:lnTo>
+                  <a:lnTo>
+                    <a:pt x="0" y="0"/>
+                  </a:lnTo>
+                </a:path>
+              </a:pathLst>
+            </a:custGeom>
+            <a:noFill/>
+            <a:ln w="7600" cap="flat">
+              <a:solidFill>
+                <a:srgbClr val="191919"/>
+              </a:solidFill>
+              <a:miter/>
+              <a:tailEnd type="triangle" w="med" len="med"/>
+            </a:ln>
+          </p:spPr>
+        </p:sp>
+        <p:grpSp>
+          <p:nvGrpSpPr>
+            <p:cNvPr id="165" name="Group 164"/>
+            <p:cNvGrpSpPr/>
+            <p:nvPr/>
+          </p:nvGrpSpPr>
+          <p:grpSpPr>
+            <a:xfrm rot="0">
+              <a:off x="6721" y="4905"/>
+              <a:ext cx="532" cy="3181"/>
+              <a:chOff x="4267819" y="3114490"/>
+              <a:chExt cx="337511" cy="2019860"/>
+            </a:xfrm>
+          </p:grpSpPr>
+          <p:sp>
+            <p:nvSpPr>
+              <p:cNvPr id="151" name="正方形"/>
+              <p:cNvSpPr/>
+              <p:nvPr/>
+            </p:nvSpPr>
+            <p:spPr>
+              <a:xfrm>
+                <a:off x="4267819" y="3114490"/>
+                <a:ext cx="337511" cy="337511"/>
+              </a:xfrm>
+              <a:custGeom>
+                <a:avLst/>
+                <a:gdLst>
+                  <a:gd name="connsiteX0" fmla="*/ 0 w 337511"/>
+                  <a:gd name="connsiteY0" fmla="*/ 168756 h 337511"/>
+                  <a:gd name="connsiteX1" fmla="*/ 168756 w 337511"/>
+                  <a:gd name="connsiteY1" fmla="*/ 0 h 337511"/>
+                  <a:gd name="connsiteX2" fmla="*/ 337511 w 337511"/>
+                  <a:gd name="connsiteY2" fmla="*/ 168756 h 337511"/>
+                  <a:gd name="connsiteX3" fmla="*/ 168756 w 337511"/>
+                  <a:gd name="connsiteY3" fmla="*/ 337511 h 337511"/>
+                </a:gdLst>
+                <a:ahLst/>
+                <a:cxnLst>
+                  <a:cxn ang="10800000">
+                    <a:pos x="connsiteX0" y="connsiteY0"/>
+                  </a:cxn>
+                  <a:cxn ang="16200000">
+                    <a:pos x="connsiteX1" y="connsiteY1"/>
+                  </a:cxn>
+                  <a:cxn ang="0">
+                    <a:pos x="connsiteX2" y="connsiteY2"/>
+                  </a:cxn>
+                  <a:cxn ang="5400000">
+                    <a:pos x="connsiteX3" y="connsiteY3"/>
+                  </a:cxn>
+                </a:cxnLst>
+                <a:rect l="l" t="t" r="r" b="b"/>
+                <a:pathLst>
+                  <a:path w="337511" h="337511" stroke="0">
+                    <a:moveTo>
+                      <a:pt x="337511" y="337511"/>
+                    </a:moveTo>
+                    <a:lnTo>
+                      <a:pt x="337511" y="0"/>
+                    </a:lnTo>
+                    <a:lnTo>
+                      <a:pt x="0" y="0"/>
+                    </a:lnTo>
+                    <a:lnTo>
+                      <a:pt x="0" y="337511"/>
+                    </a:lnTo>
+                    <a:lnTo>
+                      <a:pt x="337511" y="337511"/>
+                    </a:lnTo>
+                    <a:close/>
+                  </a:path>
+                  <a:path w="337511" h="337511" fill="none">
+                    <a:moveTo>
+                      <a:pt x="337511" y="337511"/>
+                    </a:moveTo>
+                    <a:lnTo>
+                      <a:pt x="337511" y="0"/>
+                    </a:lnTo>
+                    <a:lnTo>
+                      <a:pt x="0" y="0"/>
+                    </a:lnTo>
+                    <a:lnTo>
+                      <a:pt x="0" y="337511"/>
+                    </a:lnTo>
+                    <a:lnTo>
+                      <a:pt x="337511" y="337511"/>
+                    </a:lnTo>
+                    <a:close/>
+                  </a:path>
+                </a:pathLst>
+              </a:custGeom>
+              <a:solidFill>
+                <a:srgbClr val="FFFFFF"/>
+              </a:solidFill>
+              <a:ln w="7600" cap="flat">
+                <a:solidFill>
+                  <a:srgbClr val="101843"/>
+                </a:solidFill>
+                <a:miter/>
+              </a:ln>
+            </p:spPr>
+            <p:txBody>
+              <a:bodyPr wrap="square" lIns="38100" tIns="38100" rIns="38100" bIns="38100" rtlCol="0" anchor="ctr"/>
+              <a:lstStyle/>
+              <a:p>
+                <a:pPr algn="ctr"/>
+                <a:r>
+                  <a:rPr lang="zh-CN" altLang="en-US" sz="760" dirty="0">
+                    <a:solidFill>
+                      <a:srgbClr val="191919"/>
+                    </a:solidFill>
+                    <a:latin typeface="微软雅黑" panose="020B0503020204020204" charset="-122"/>
+                    <a:ea typeface="微软雅黑" panose="020B0503020204020204" charset="-122"/>
+                    <a:cs typeface="微软雅黑" panose="020B0503020204020204" charset="-122"/>
+                  </a:rPr>
+                  <a:t>氢电</a:t>
+                </a:r>
+                <a:endParaRPr lang="zh-CN" altLang="en-US" sz="760" dirty="0">
+                  <a:solidFill>
+                    <a:srgbClr val="191919"/>
+                  </a:solidFill>
+                  <a:latin typeface="微软雅黑" panose="020B0503020204020204" charset="-122"/>
+                  <a:ea typeface="微软雅黑" panose="020B0503020204020204" charset="-122"/>
+                  <a:cs typeface="微软雅黑" panose="020B0503020204020204" charset="-122"/>
+                </a:endParaRPr>
+              </a:p>
+            </p:txBody>
+          </p:sp>
+          <p:sp>
+            <p:nvSpPr>
+              <p:cNvPr id="152" name="正方形"/>
+              <p:cNvSpPr/>
+              <p:nvPr/>
+            </p:nvSpPr>
+            <p:spPr>
+              <a:xfrm>
+                <a:off x="4267819" y="3649968"/>
+                <a:ext cx="337511" cy="337511"/>
+              </a:xfrm>
+              <a:custGeom>
+                <a:avLst/>
+                <a:gdLst>
+                  <a:gd name="connsiteX0" fmla="*/ 0 w 337511"/>
+                  <a:gd name="connsiteY0" fmla="*/ 168756 h 337511"/>
+                  <a:gd name="connsiteX1" fmla="*/ 168756 w 337511"/>
+                  <a:gd name="connsiteY1" fmla="*/ 0 h 337511"/>
+                  <a:gd name="connsiteX2" fmla="*/ 337511 w 337511"/>
+                  <a:gd name="connsiteY2" fmla="*/ 168756 h 337511"/>
+                  <a:gd name="connsiteX3" fmla="*/ 168756 w 337511"/>
+                  <a:gd name="connsiteY3" fmla="*/ 337511 h 337511"/>
+                </a:gdLst>
+                <a:ahLst/>
+                <a:cxnLst>
+                  <a:cxn ang="10800000">
+                    <a:pos x="connsiteX0" y="connsiteY0"/>
+                  </a:cxn>
+                  <a:cxn ang="16200000">
+                    <a:pos x="connsiteX1" y="connsiteY1"/>
+                  </a:cxn>
+                  <a:cxn ang="0">
+                    <a:pos x="connsiteX2" y="connsiteY2"/>
+                  </a:cxn>
+                  <a:cxn ang="5400000">
+                    <a:pos x="connsiteX3" y="connsiteY3"/>
+                  </a:cxn>
+                </a:cxnLst>
+                <a:rect l="l" t="t" r="r" b="b"/>
+                <a:pathLst>
+                  <a:path w="337511" h="337511" stroke="0">
+                    <a:moveTo>
+                      <a:pt x="337511" y="337511"/>
+                    </a:moveTo>
+                    <a:lnTo>
+                      <a:pt x="337511" y="0"/>
+                    </a:lnTo>
+                    <a:lnTo>
+                      <a:pt x="0" y="0"/>
+                    </a:lnTo>
+                    <a:lnTo>
+                      <a:pt x="0" y="337511"/>
+                    </a:lnTo>
+                    <a:lnTo>
+                      <a:pt x="337511" y="337511"/>
+                    </a:lnTo>
+                    <a:close/>
+                  </a:path>
+                  <a:path w="337511" h="337511" fill="none">
+                    <a:moveTo>
+                      <a:pt x="337511" y="337511"/>
+                    </a:moveTo>
+                    <a:lnTo>
+                      <a:pt x="337511" y="0"/>
+                    </a:lnTo>
+                    <a:lnTo>
+                      <a:pt x="0" y="0"/>
+                    </a:lnTo>
+                    <a:lnTo>
+                      <a:pt x="0" y="337511"/>
+                    </a:lnTo>
+                    <a:lnTo>
+                      <a:pt x="337511" y="337511"/>
+                    </a:lnTo>
+                    <a:close/>
+                  </a:path>
+                </a:pathLst>
+              </a:custGeom>
+              <a:solidFill>
+                <a:srgbClr val="FFFFFF"/>
+              </a:solidFill>
+              <a:ln w="7600" cap="flat">
+                <a:solidFill>
+                  <a:srgbClr val="101843"/>
+                </a:solidFill>
+                <a:miter/>
+              </a:ln>
+            </p:spPr>
+            <p:txBody>
+              <a:bodyPr wrap="square" lIns="38100" tIns="38100" rIns="38100" bIns="38100" rtlCol="0" anchor="ctr"/>
+              <a:lstStyle/>
+              <a:p>
+                <a:pPr algn="ctr"/>
+                <a:r>
+                  <a:rPr lang="zh-CN" altLang="en-US" sz="760" dirty="0">
+                    <a:solidFill>
+                      <a:srgbClr val="191919"/>
+                    </a:solidFill>
+                    <a:latin typeface="微软雅黑" panose="020B0503020204020204" charset="-122"/>
+                    <a:ea typeface="微软雅黑" panose="020B0503020204020204" charset="-122"/>
+                    <a:cs typeface="微软雅黑" panose="020B0503020204020204" charset="-122"/>
+                  </a:rPr>
+                  <a:t>钒电</a:t>
+                </a:r>
+                <a:endParaRPr lang="zh-CN" altLang="en-US" sz="760" dirty="0">
+                  <a:solidFill>
+                    <a:srgbClr val="191919"/>
+                  </a:solidFill>
+                  <a:latin typeface="微软雅黑" panose="020B0503020204020204" charset="-122"/>
+                  <a:ea typeface="微软雅黑" panose="020B0503020204020204" charset="-122"/>
+                  <a:cs typeface="微软雅黑" panose="020B0503020204020204" charset="-122"/>
+                </a:endParaRPr>
+              </a:p>
+            </p:txBody>
+          </p:sp>
+          <p:sp>
+            <p:nvSpPr>
+              <p:cNvPr id="153" name="正方形"/>
+              <p:cNvSpPr/>
+              <p:nvPr/>
+            </p:nvSpPr>
+            <p:spPr>
+              <a:xfrm>
+                <a:off x="4267819" y="4223403"/>
+                <a:ext cx="337511" cy="337511"/>
+              </a:xfrm>
+              <a:custGeom>
+                <a:avLst/>
+                <a:gdLst>
+                  <a:gd name="connsiteX0" fmla="*/ 0 w 337511"/>
+                  <a:gd name="connsiteY0" fmla="*/ 168756 h 337511"/>
+                  <a:gd name="connsiteX1" fmla="*/ 168756 w 337511"/>
+                  <a:gd name="connsiteY1" fmla="*/ 0 h 337511"/>
+                  <a:gd name="connsiteX2" fmla="*/ 337511 w 337511"/>
+                  <a:gd name="connsiteY2" fmla="*/ 168756 h 337511"/>
+                  <a:gd name="connsiteX3" fmla="*/ 168756 w 337511"/>
+                  <a:gd name="connsiteY3" fmla="*/ 337511 h 337511"/>
+                </a:gdLst>
+                <a:ahLst/>
+                <a:cxnLst>
+                  <a:cxn ang="10800000">
+                    <a:pos x="connsiteX0" y="connsiteY0"/>
+                  </a:cxn>
+                  <a:cxn ang="16200000">
+                    <a:pos x="connsiteX1" y="connsiteY1"/>
+                  </a:cxn>
+                  <a:cxn ang="0">
+                    <a:pos x="connsiteX2" y="connsiteY2"/>
+                  </a:cxn>
+                  <a:cxn ang="5400000">
+                    <a:pos x="connsiteX3" y="connsiteY3"/>
+                  </a:cxn>
+                </a:cxnLst>
+                <a:rect l="l" t="t" r="r" b="b"/>
+                <a:pathLst>
+                  <a:path w="337511" h="337511" stroke="0">
+                    <a:moveTo>
+                      <a:pt x="337511" y="337511"/>
+                    </a:moveTo>
+                    <a:lnTo>
+                      <a:pt x="337511" y="0"/>
+                    </a:lnTo>
+                    <a:lnTo>
+                      <a:pt x="0" y="0"/>
+                    </a:lnTo>
+                    <a:lnTo>
+                      <a:pt x="0" y="337511"/>
+                    </a:lnTo>
+                    <a:lnTo>
+                      <a:pt x="337511" y="337511"/>
+                    </a:lnTo>
+                    <a:close/>
+                  </a:path>
+                  <a:path w="337511" h="337511" fill="none">
+                    <a:moveTo>
+                      <a:pt x="337511" y="337511"/>
+                    </a:moveTo>
+                    <a:lnTo>
+                      <a:pt x="337511" y="0"/>
+                    </a:lnTo>
+                    <a:lnTo>
+                      <a:pt x="0" y="0"/>
+                    </a:lnTo>
+                    <a:lnTo>
+                      <a:pt x="0" y="337511"/>
+                    </a:lnTo>
+                    <a:lnTo>
+                      <a:pt x="337511" y="337511"/>
+                    </a:lnTo>
+                    <a:close/>
+                  </a:path>
+                </a:pathLst>
+              </a:custGeom>
+              <a:solidFill>
+                <a:srgbClr val="FFFFFF"/>
+              </a:solidFill>
+              <a:ln w="7600" cap="flat">
+                <a:solidFill>
+                  <a:srgbClr val="101843"/>
+                </a:solidFill>
+                <a:miter/>
+              </a:ln>
+            </p:spPr>
+            <p:txBody>
+              <a:bodyPr wrap="square" lIns="38100" tIns="38100" rIns="38100" bIns="38100" rtlCol="0" anchor="ctr"/>
+              <a:lstStyle/>
+              <a:p>
+                <a:pPr algn="ctr"/>
+                <a:r>
+                  <a:rPr lang="zh-CN" altLang="en-US" sz="760" dirty="0">
+                    <a:solidFill>
+                      <a:srgbClr val="191919"/>
+                    </a:solidFill>
+                    <a:latin typeface="微软雅黑" panose="020B0503020204020204" charset="-122"/>
+                    <a:ea typeface="微软雅黑" panose="020B0503020204020204" charset="-122"/>
+                    <a:cs typeface="微软雅黑" panose="020B0503020204020204" charset="-122"/>
+                  </a:rPr>
+                  <a:t>钠电</a:t>
+                </a:r>
+                <a:endParaRPr lang="zh-CN" altLang="en-US" sz="760" dirty="0">
+                  <a:solidFill>
+                    <a:srgbClr val="191919"/>
+                  </a:solidFill>
+                  <a:latin typeface="微软雅黑" panose="020B0503020204020204" charset="-122"/>
+                  <a:ea typeface="微软雅黑" panose="020B0503020204020204" charset="-122"/>
+                  <a:cs typeface="微软雅黑" panose="020B0503020204020204" charset="-122"/>
+                </a:endParaRPr>
+              </a:p>
+            </p:txBody>
+          </p:sp>
+          <p:sp>
+            <p:nvSpPr>
+              <p:cNvPr id="154" name="正方形"/>
+              <p:cNvSpPr/>
+              <p:nvPr/>
+            </p:nvSpPr>
+            <p:spPr>
+              <a:xfrm>
+                <a:off x="4267819" y="4796838"/>
+                <a:ext cx="337511" cy="337511"/>
+              </a:xfrm>
+              <a:custGeom>
+                <a:avLst/>
+                <a:gdLst>
+                  <a:gd name="connsiteX0" fmla="*/ 0 w 337511"/>
+                  <a:gd name="connsiteY0" fmla="*/ 168756 h 337511"/>
+                  <a:gd name="connsiteX1" fmla="*/ 168756 w 337511"/>
+                  <a:gd name="connsiteY1" fmla="*/ 0 h 337511"/>
+                  <a:gd name="connsiteX2" fmla="*/ 337511 w 337511"/>
+                  <a:gd name="connsiteY2" fmla="*/ 168756 h 337511"/>
+                  <a:gd name="connsiteX3" fmla="*/ 168756 w 337511"/>
+                  <a:gd name="connsiteY3" fmla="*/ 337511 h 337511"/>
+                </a:gdLst>
+                <a:ahLst/>
+                <a:cxnLst>
+                  <a:cxn ang="10800000">
+                    <a:pos x="connsiteX0" y="connsiteY0"/>
+                  </a:cxn>
+                  <a:cxn ang="16200000">
+                    <a:pos x="connsiteX1" y="connsiteY1"/>
+                  </a:cxn>
+                  <a:cxn ang="0">
+                    <a:pos x="connsiteX2" y="connsiteY2"/>
+                  </a:cxn>
+                  <a:cxn ang="5400000">
+                    <a:pos x="connsiteX3" y="connsiteY3"/>
+                  </a:cxn>
+                </a:cxnLst>
+                <a:rect l="l" t="t" r="r" b="b"/>
+                <a:pathLst>
+                  <a:path w="337511" h="337511" stroke="0">
+                    <a:moveTo>
+                      <a:pt x="337511" y="337511"/>
+                    </a:moveTo>
+                    <a:lnTo>
+                      <a:pt x="337511" y="0"/>
+                    </a:lnTo>
+                    <a:lnTo>
+                      <a:pt x="0" y="0"/>
+                    </a:lnTo>
+                    <a:lnTo>
+                      <a:pt x="0" y="337511"/>
+                    </a:lnTo>
+                    <a:lnTo>
+                      <a:pt x="337511" y="337511"/>
+                    </a:lnTo>
+                    <a:close/>
+                  </a:path>
+                  <a:path w="337511" h="337511" fill="none">
+                    <a:moveTo>
+                      <a:pt x="337511" y="337511"/>
+                    </a:moveTo>
+                    <a:lnTo>
+                      <a:pt x="337511" y="0"/>
+                    </a:lnTo>
+                    <a:lnTo>
+                      <a:pt x="0" y="0"/>
+                    </a:lnTo>
+                    <a:lnTo>
+                      <a:pt x="0" y="337511"/>
+                    </a:lnTo>
+                    <a:lnTo>
+                      <a:pt x="337511" y="337511"/>
+                    </a:lnTo>
+                    <a:close/>
+                  </a:path>
+                </a:pathLst>
+              </a:custGeom>
+              <a:solidFill>
+                <a:srgbClr val="FFFFFF"/>
+              </a:solidFill>
+              <a:ln w="7600" cap="flat">
+                <a:solidFill>
+                  <a:srgbClr val="101843"/>
+                </a:solidFill>
+                <a:miter/>
+              </a:ln>
+            </p:spPr>
+            <p:txBody>
+              <a:bodyPr wrap="square" lIns="38100" tIns="38100" rIns="38100" bIns="38100" rtlCol="0" anchor="ctr"/>
+              <a:lstStyle/>
+              <a:p>
+                <a:pPr algn="ctr"/>
+                <a:r>
+                  <a:rPr lang="zh-CN" altLang="en-US" sz="760" dirty="0">
+                    <a:solidFill>
+                      <a:srgbClr val="191919"/>
+                    </a:solidFill>
+                    <a:latin typeface="微软雅黑" panose="020B0503020204020204" charset="-122"/>
+                    <a:ea typeface="微软雅黑" panose="020B0503020204020204" charset="-122"/>
+                    <a:cs typeface="微软雅黑" panose="020B0503020204020204" charset="-122"/>
+                  </a:rPr>
+                  <a:t>铁硫</a:t>
+                </a:r>
+                <a:endParaRPr lang="zh-CN" altLang="en-US" sz="760" dirty="0">
+                  <a:solidFill>
+                    <a:srgbClr val="191919"/>
+                  </a:solidFill>
+                  <a:latin typeface="微软雅黑" panose="020B0503020204020204" charset="-122"/>
+                  <a:ea typeface="微软雅黑" panose="020B0503020204020204" charset="-122"/>
+                  <a:cs typeface="微软雅黑" panose="020B0503020204020204" charset="-122"/>
+                </a:endParaRPr>
+              </a:p>
+            </p:txBody>
+          </p:sp>
+        </p:grpSp>
+        <p:sp>
+          <p:nvSpPr>
+            <p:cNvPr id="166" name="正方形"/>
+            <p:cNvSpPr/>
+            <p:nvPr/>
+          </p:nvSpPr>
+          <p:spPr>
+            <a:xfrm>
+              <a:off x="9659" y="4949"/>
+              <a:ext cx="1020" cy="443"/>
+            </a:xfrm>
+            <a:custGeom>
+              <a:avLst/>
+              <a:gdLst>
+                <a:gd name="connsiteX0" fmla="*/ 0 w 647400"/>
+                <a:gd name="connsiteY0" fmla="*/ 140543 h 281087"/>
+                <a:gd name="connsiteX1" fmla="*/ 323700 w 647400"/>
+                <a:gd name="connsiteY1" fmla="*/ 0 h 281087"/>
+                <a:gd name="connsiteX2" fmla="*/ 647400 w 647400"/>
+                <a:gd name="connsiteY2" fmla="*/ 140543 h 281087"/>
+                <a:gd name="connsiteX3" fmla="*/ 323700 w 647400"/>
+                <a:gd name="connsiteY3" fmla="*/ 281087 h 281087"/>
+              </a:gdLst>
+              <a:ahLst/>
+              <a:cxnLst>
+                <a:cxn ang="10800000">
+                  <a:pos x="connsiteX0" y="connsiteY0"/>
+                </a:cxn>
+                <a:cxn ang="16200000">
+                  <a:pos x="connsiteX1" y="connsiteY1"/>
+                </a:cxn>
+                <a:cxn ang="0">
+                  <a:pos x="connsiteX2" y="connsiteY2"/>
+                </a:cxn>
+                <a:cxn ang="5400000">
+                  <a:pos x="connsiteX3" y="connsiteY3"/>
+                </a:cxn>
+              </a:cxnLst>
+              <a:rect l="l" t="t" r="r" b="b"/>
+              <a:pathLst>
+                <a:path w="647400" h="281087" stroke="0">
+                  <a:moveTo>
+                    <a:pt x="647400" y="281087"/>
+                  </a:moveTo>
+                  <a:lnTo>
+                    <a:pt x="647400" y="0"/>
+                  </a:lnTo>
+                  <a:lnTo>
+                    <a:pt x="0" y="0"/>
+                  </a:lnTo>
+                  <a:lnTo>
+                    <a:pt x="0" y="281087"/>
+                  </a:lnTo>
+                  <a:lnTo>
+                    <a:pt x="647400" y="281087"/>
+                  </a:lnTo>
+                  <a:close/>
+                </a:path>
+                <a:path w="647400" h="281087" fill="none">
+                  <a:moveTo>
+                    <a:pt x="647400" y="281087"/>
+                  </a:moveTo>
+                  <a:lnTo>
+                    <a:pt x="647400" y="0"/>
+                  </a:lnTo>
+                  <a:lnTo>
+                    <a:pt x="0" y="0"/>
+                  </a:lnTo>
+                  <a:lnTo>
+                    <a:pt x="0" y="281087"/>
+                  </a:lnTo>
+                  <a:lnTo>
+                    <a:pt x="647400" y="281087"/>
+                  </a:lnTo>
+                  <a:close/>
+                </a:path>
+              </a:pathLst>
+            </a:custGeom>
+            <a:solidFill>
+              <a:srgbClr val="FFFFFF"/>
+            </a:solidFill>
+            <a:ln w="7600" cap="flat">
+              <a:solidFill>
+                <a:srgbClr val="101843"/>
+              </a:solidFill>
+              <a:miter/>
+            </a:ln>
+          </p:spPr>
+          <p:txBody>
+            <a:bodyPr wrap="square" lIns="38100" tIns="38100" rIns="38100" bIns="38100" rtlCol="0" anchor="ctr"/>
+            <a:lstStyle/>
+            <a:p>
+              <a:pPr algn="ctr"/>
+              <a:r>
+                <a:rPr lang="zh-CN" altLang="en-US" sz="760" dirty="0">
+                  <a:solidFill>
+                    <a:srgbClr val="191919"/>
+                  </a:solidFill>
+                  <a:latin typeface="微软雅黑" panose="020B0503020204020204" charset="-122"/>
+                  <a:ea typeface="微软雅黑" panose="020B0503020204020204" charset="-122"/>
+                  <a:cs typeface="微软雅黑" panose="020B0503020204020204" charset="-122"/>
+                </a:rPr>
+                <a:t>104-&gt;redis</a:t>
+              </a:r>
+              <a:endParaRPr lang="zh-CN" altLang="en-US" sz="760" dirty="0">
+                <a:solidFill>
+                  <a:srgbClr val="191919"/>
+                </a:solidFill>
+                <a:latin typeface="微软雅黑" panose="020B0503020204020204" charset="-122"/>
+                <a:ea typeface="微软雅黑" panose="020B0503020204020204" charset="-122"/>
+                <a:cs typeface="微软雅黑" panose="020B0503020204020204" charset="-122"/>
+              </a:endParaRPr>
+            </a:p>
+          </p:txBody>
+        </p:sp>
+        <p:sp>
+          <p:nvSpPr>
+            <p:cNvPr id="167" name="ConnectLine"/>
+            <p:cNvSpPr/>
+            <p:nvPr/>
+          </p:nvSpPr>
+          <p:spPr>
+            <a:xfrm>
+              <a:off x="9247" y="5170"/>
+              <a:ext cx="412" cy="12"/>
+            </a:xfrm>
+            <a:custGeom>
+              <a:avLst/>
+              <a:gdLst/>
+              <a:ahLst/>
+              <a:cxnLst/>
+              <a:rect l="l" t="t" r="r" b="b"/>
+              <a:pathLst>
+                <a:path w="261560" h="7600" fill="none">
+                  <a:moveTo>
+                    <a:pt x="0" y="0"/>
+                  </a:moveTo>
+                  <a:lnTo>
+                    <a:pt x="261560" y="0"/>
+                  </a:lnTo>
+                </a:path>
+              </a:pathLst>
+            </a:custGeom>
+            <a:noFill/>
+            <a:ln w="7600" cap="flat">
+              <a:solidFill>
+                <a:srgbClr val="191919"/>
+              </a:solidFill>
+              <a:miter/>
+              <a:tailEnd type="triangle" w="med" len="med"/>
+            </a:ln>
+          </p:spPr>
+        </p:sp>
+        <p:sp>
+          <p:nvSpPr>
+            <p:cNvPr id="168" name="ConnectLine"/>
+            <p:cNvSpPr/>
+            <p:nvPr/>
+          </p:nvSpPr>
+          <p:spPr>
+            <a:xfrm>
+              <a:off x="10678" y="5170"/>
+              <a:ext cx="1013" cy="12"/>
+            </a:xfrm>
+            <a:custGeom>
+              <a:avLst/>
+              <a:gdLst/>
+              <a:ahLst/>
+              <a:cxnLst/>
+              <a:rect l="l" t="t" r="r" b="b"/>
+              <a:pathLst>
+                <a:path w="643183" h="7600" fill="none">
+                  <a:moveTo>
+                    <a:pt x="0" y="0"/>
+                  </a:moveTo>
+                  <a:lnTo>
+                    <a:pt x="643183" y="0"/>
+                  </a:lnTo>
+                </a:path>
+              </a:pathLst>
+            </a:custGeom>
+            <a:noFill/>
+            <a:ln w="7600" cap="flat">
+              <a:solidFill>
+                <a:srgbClr val="191919"/>
+              </a:solidFill>
+              <a:miter/>
+              <a:tailEnd type="triangle" w="med" len="med"/>
+            </a:ln>
+          </p:spPr>
+        </p:sp>
+        <p:sp>
+          <p:nvSpPr>
+            <p:cNvPr id="169" name="ConnectLine"/>
+            <p:cNvSpPr/>
+            <p:nvPr/>
+          </p:nvSpPr>
+          <p:spPr>
+            <a:xfrm>
+              <a:off x="10169" y="5402"/>
+              <a:ext cx="12" cy="572"/>
+            </a:xfrm>
+            <a:custGeom>
+              <a:avLst/>
+              <a:gdLst/>
+              <a:ahLst/>
+              <a:cxnLst/>
+              <a:rect l="l" t="t" r="r" b="b"/>
+              <a:pathLst>
+                <a:path w="7600" h="363484" fill="none">
+                  <a:moveTo>
+                    <a:pt x="0" y="363484"/>
+                  </a:moveTo>
+                  <a:lnTo>
+                    <a:pt x="0" y="0"/>
+                  </a:lnTo>
+                </a:path>
+              </a:pathLst>
+            </a:custGeom>
+            <a:noFill/>
+            <a:ln w="7600" cap="flat">
+              <a:solidFill>
+                <a:srgbClr val="191919"/>
+              </a:solidFill>
+              <a:miter/>
+              <a:tailEnd type="triangle" w="med" len="med"/>
+            </a:ln>
+          </p:spPr>
+        </p:sp>
+        <p:sp>
+          <p:nvSpPr>
+            <p:cNvPr id="170" name="ConnectLine"/>
+            <p:cNvSpPr/>
+            <p:nvPr/>
+          </p:nvSpPr>
+          <p:spPr>
+            <a:xfrm>
+              <a:off x="12018" y="5392"/>
+              <a:ext cx="12" cy="642"/>
+            </a:xfrm>
+            <a:custGeom>
+              <a:avLst/>
+              <a:gdLst/>
+              <a:ahLst/>
+              <a:cxnLst/>
+              <a:rect l="l" t="t" r="r" b="b"/>
+              <a:pathLst>
+                <a:path w="7600" h="407831" fill="none">
+                  <a:moveTo>
+                    <a:pt x="0" y="0"/>
+                  </a:moveTo>
+                  <a:lnTo>
+                    <a:pt x="0" y="407831"/>
+                  </a:lnTo>
+                </a:path>
+              </a:pathLst>
+            </a:custGeom>
+            <a:noFill/>
+            <a:ln w="7600" cap="flat">
+              <a:solidFill>
+                <a:srgbClr val="191919"/>
+              </a:solidFill>
+              <a:miter/>
+              <a:tailEnd type="triangle" w="med" len="med"/>
+            </a:ln>
+          </p:spPr>
+        </p:sp>
+        <p:sp>
+          <p:nvSpPr>
+            <p:cNvPr id="171" name="ConnectLine"/>
+            <p:cNvSpPr/>
+            <p:nvPr/>
+          </p:nvSpPr>
+          <p:spPr>
+            <a:xfrm>
+              <a:off x="7720" y="4948"/>
+              <a:ext cx="12" cy="3053"/>
+            </a:xfrm>
+            <a:custGeom>
+              <a:avLst/>
+              <a:gdLst/>
+              <a:ahLst/>
+              <a:cxnLst/>
+              <a:rect l="l" t="t" r="r" b="b"/>
+              <a:pathLst>
+                <a:path w="7600" h="1938898" fill="none">
+                  <a:moveTo>
+                    <a:pt x="0" y="0"/>
+                  </a:moveTo>
+                  <a:lnTo>
+                    <a:pt x="0" y="1938898"/>
+                  </a:lnTo>
+                </a:path>
+              </a:pathLst>
+            </a:custGeom>
+            <a:noFill/>
+            <a:ln w="7600" cap="flat">
+              <a:solidFill>
+                <a:srgbClr val="191919"/>
+              </a:solidFill>
+              <a:miter/>
+            </a:ln>
+          </p:spPr>
+        </p:sp>
+        <p:sp>
+          <p:nvSpPr>
+            <p:cNvPr id="172" name="ConnectLine"/>
+            <p:cNvSpPr/>
+            <p:nvPr/>
+          </p:nvSpPr>
+          <p:spPr>
+            <a:xfrm>
+              <a:off x="7720" y="5170"/>
+              <a:ext cx="507" cy="12"/>
+            </a:xfrm>
+            <a:custGeom>
+              <a:avLst/>
+              <a:gdLst/>
+              <a:ahLst/>
+              <a:cxnLst/>
+              <a:rect l="l" t="t" r="r" b="b"/>
+              <a:pathLst>
+                <a:path w="322049" h="7600" fill="none">
+                  <a:moveTo>
+                    <a:pt x="322049" y="0"/>
+                  </a:moveTo>
+                  <a:lnTo>
+                    <a:pt x="0" y="0"/>
+                  </a:lnTo>
+                </a:path>
+              </a:pathLst>
+            </a:custGeom>
+            <a:noFill/>
+            <a:ln w="7600" cap="flat">
+              <a:solidFill>
+                <a:srgbClr val="191919"/>
+              </a:solidFill>
+              <a:miter/>
+              <a:headEnd type="triangle" w="med" len="med"/>
+              <a:tailEnd type="triangle" w="med" len="med"/>
+            </a:ln>
+          </p:spPr>
+        </p:sp>
+        <p:sp>
+          <p:nvSpPr>
+            <p:cNvPr id="173" name="ConnectLine"/>
+            <p:cNvSpPr/>
+            <p:nvPr/>
+          </p:nvSpPr>
+          <p:spPr>
+            <a:xfrm>
+              <a:off x="7252" y="5170"/>
+              <a:ext cx="468" cy="12"/>
+            </a:xfrm>
+            <a:custGeom>
+              <a:avLst/>
+              <a:gdLst/>
+              <a:ahLst/>
+              <a:cxnLst/>
+              <a:rect l="l" t="t" r="r" b="b"/>
+              <a:pathLst>
+                <a:path w="296999" h="7600" fill="none">
+                  <a:moveTo>
+                    <a:pt x="0" y="0"/>
+                  </a:moveTo>
+                  <a:lnTo>
+                    <a:pt x="296999" y="0"/>
+                  </a:lnTo>
+                </a:path>
+              </a:pathLst>
+            </a:custGeom>
+            <a:noFill/>
+            <a:ln w="7600" cap="flat">
+              <a:solidFill>
+                <a:srgbClr val="191919"/>
+              </a:solidFill>
+              <a:miter/>
+              <a:headEnd type="triangle" w="med" len="med"/>
+              <a:tailEnd type="triangle" w="med" len="med"/>
+            </a:ln>
+          </p:spPr>
+        </p:sp>
+        <p:sp>
+          <p:nvSpPr>
+            <p:cNvPr id="174" name="ConnectLine"/>
+            <p:cNvSpPr/>
+            <p:nvPr/>
+          </p:nvSpPr>
+          <p:spPr>
+            <a:xfrm>
+              <a:off x="7252" y="6014"/>
+              <a:ext cx="468" cy="12"/>
+            </a:xfrm>
+            <a:custGeom>
+              <a:avLst/>
+              <a:gdLst/>
+              <a:ahLst/>
+              <a:cxnLst/>
+              <a:rect l="l" t="t" r="r" b="b"/>
+              <a:pathLst>
+                <a:path w="296999" h="7600" fill="none">
+                  <a:moveTo>
+                    <a:pt x="0" y="0"/>
+                  </a:moveTo>
+                  <a:lnTo>
+                    <a:pt x="296999" y="0"/>
+                  </a:lnTo>
+                </a:path>
+              </a:pathLst>
+            </a:custGeom>
+            <a:noFill/>
+            <a:ln w="7600" cap="flat">
+              <a:solidFill>
+                <a:srgbClr val="191919"/>
+              </a:solidFill>
+              <a:miter/>
+              <a:headEnd type="triangle" w="med" len="med"/>
+              <a:tailEnd type="triangle" w="med" len="med"/>
+            </a:ln>
+          </p:spPr>
+        </p:sp>
+        <p:sp>
+          <p:nvSpPr>
+            <p:cNvPr id="175" name="ConnectLine"/>
+            <p:cNvSpPr/>
+            <p:nvPr/>
+          </p:nvSpPr>
+          <p:spPr>
+            <a:xfrm>
+              <a:off x="7252" y="6917"/>
+              <a:ext cx="468" cy="12"/>
+            </a:xfrm>
+            <a:custGeom>
+              <a:avLst/>
+              <a:gdLst/>
+              <a:ahLst/>
+              <a:cxnLst/>
+              <a:rect l="l" t="t" r="r" b="b"/>
+              <a:pathLst>
+                <a:path w="296999" h="7600" fill="none">
+                  <a:moveTo>
+                    <a:pt x="0" y="0"/>
+                  </a:moveTo>
+                  <a:lnTo>
+                    <a:pt x="296999" y="0"/>
+                  </a:lnTo>
+                </a:path>
+              </a:pathLst>
+            </a:custGeom>
+            <a:noFill/>
+            <a:ln w="7600" cap="flat">
+              <a:solidFill>
+                <a:srgbClr val="191919"/>
+              </a:solidFill>
+              <a:miter/>
+              <a:headEnd type="triangle" w="med" len="med"/>
+              <a:tailEnd type="triangle" w="med" len="med"/>
+            </a:ln>
+          </p:spPr>
+        </p:sp>
+        <p:sp>
+          <p:nvSpPr>
+            <p:cNvPr id="176" name="ConnectLine"/>
+            <p:cNvSpPr/>
+            <p:nvPr/>
+          </p:nvSpPr>
+          <p:spPr>
+            <a:xfrm>
+              <a:off x="7252" y="7820"/>
+              <a:ext cx="468" cy="12"/>
+            </a:xfrm>
+            <a:custGeom>
+              <a:avLst/>
+              <a:gdLst/>
+              <a:ahLst/>
+              <a:cxnLst/>
+              <a:rect l="l" t="t" r="r" b="b"/>
+              <a:pathLst>
+                <a:path w="296999" h="7600" fill="none">
+                  <a:moveTo>
+                    <a:pt x="0" y="0"/>
+                  </a:moveTo>
+                  <a:lnTo>
+                    <a:pt x="296999" y="0"/>
+                  </a:lnTo>
+                </a:path>
+              </a:pathLst>
+            </a:custGeom>
+            <a:noFill/>
+            <a:ln w="7600" cap="flat">
+              <a:solidFill>
+                <a:srgbClr val="191919"/>
+              </a:solidFill>
+              <a:miter/>
+              <a:headEnd type="triangle" w="med" len="med"/>
               <a:tailEnd type="triangle" w="med" len="med"/>
             </a:ln>
           </p:spPr>
